--- a/templates/ppt_template/split_presentations_13.pptx
+++ b/templates/ppt_template/split_presentations_13.pptx
@@ -4358,7 +4358,7 @@
 </p:sldMaster>
 </file>
 
-<file path=ppt/slides/slide13.xml><?xml version="1.0" encoding="utf-8"?>
+<file path=ppt/slides/slide1.xml><?xml version="1.0" encoding="utf-8"?>
 <p:sld xmlns:a="http://schemas.openxmlformats.org/drawingml/2006/main" xmlns:r="http://schemas.openxmlformats.org/officeDocument/2006/relationships" xmlns:p="http://schemas.openxmlformats.org/presentationml/2006/main" showMasterPhAnim="0">
   <p:cSld>
     <p:spTree>
